--- a/Documentation/soutenance.pptx
+++ b/Documentation/soutenance.pptx
@@ -331,7 +331,7 @@
           <a:p>
             <a:fld id="{0EB65B14-8EEE-40F8-AECD-76AA10F650D0}" type="datetimeFigureOut">
               <a:rPr lang="fr-FR" smtClean="0"/>
-              <a:t>10/05/2015</a:t>
+              <a:t>13/05/2015</a:t>
             </a:fld>
             <a:endParaRPr lang="fr-FR"/>
           </a:p>
@@ -914,7 +914,7 @@
           <a:p>
             <a:fld id="{29D42A5E-2C2D-4730-A0DC-36D23169D505}" type="datetime1">
               <a:rPr lang="fr-FR" smtClean="0"/>
-              <a:t>10/05/2015</a:t>
+              <a:t>13/05/2015</a:t>
             </a:fld>
             <a:endParaRPr lang="fr-FR"/>
           </a:p>
@@ -1122,7 +1122,7 @@
           <a:p>
             <a:fld id="{422D78B6-3CCF-4945-A023-4EB6CADC4FEB}" type="datetime1">
               <a:rPr lang="fr-FR" smtClean="0"/>
-              <a:t>10/05/2015</a:t>
+              <a:t>13/05/2015</a:t>
             </a:fld>
             <a:endParaRPr lang="fr-FR"/>
           </a:p>
@@ -1378,7 +1378,7 @@
           <a:p>
             <a:fld id="{D46E0F25-F9E1-4802-AA51-05146C9F27D7}" type="datetime1">
               <a:rPr lang="fr-FR" smtClean="0"/>
-              <a:t>10/05/2015</a:t>
+              <a:t>13/05/2015</a:t>
             </a:fld>
             <a:endParaRPr lang="fr-FR"/>
           </a:p>
@@ -1548,7 +1548,7 @@
           <a:p>
             <a:fld id="{C5241836-D928-4B7D-92D3-683929B21F4C}" type="datetime1">
               <a:rPr lang="fr-FR" smtClean="0"/>
-              <a:t>10/05/2015</a:t>
+              <a:t>13/05/2015</a:t>
             </a:fld>
             <a:endParaRPr lang="fr-FR"/>
           </a:p>
@@ -1883,7 +1883,7 @@
           <a:p>
             <a:fld id="{977F0987-7424-4519-AAB9-D04DA4C44999}" type="datetime1">
               <a:rPr lang="fr-FR" smtClean="0"/>
-              <a:t>10/05/2015</a:t>
+              <a:t>13/05/2015</a:t>
             </a:fld>
             <a:endParaRPr lang="fr-FR"/>
           </a:p>
@@ -2158,7 +2158,7 @@
           <a:p>
             <a:fld id="{C4427D8B-9E39-45F8-9A0F-9DE54A6E8D27}" type="datetime1">
               <a:rPr lang="fr-FR" smtClean="0"/>
-              <a:t>10/05/2015</a:t>
+              <a:t>13/05/2015</a:t>
             </a:fld>
             <a:endParaRPr lang="fr-FR"/>
           </a:p>
@@ -2537,7 +2537,7 @@
           <a:p>
             <a:fld id="{A677780B-52CF-45E4-883F-163B65148345}" type="datetime1">
               <a:rPr lang="fr-FR" smtClean="0"/>
-              <a:t>10/05/2015</a:t>
+              <a:t>13/05/2015</a:t>
             </a:fld>
             <a:endParaRPr lang="fr-FR"/>
           </a:p>
@@ -2655,7 +2655,7 @@
           <a:p>
             <a:fld id="{01B1E626-5BC5-4F25-AD61-B6D59C5F597D}" type="datetime1">
               <a:rPr lang="fr-FR" smtClean="0"/>
-              <a:t>10/05/2015</a:t>
+              <a:t>13/05/2015</a:t>
             </a:fld>
             <a:endParaRPr lang="fr-FR"/>
           </a:p>
@@ -2826,7 +2826,7 @@
           <a:p>
             <a:fld id="{31C17B7E-9B45-4B0E-97FC-CA0B2D6A6930}" type="datetime1">
               <a:rPr lang="fr-FR" smtClean="0"/>
-              <a:t>10/05/2015</a:t>
+              <a:t>13/05/2015</a:t>
             </a:fld>
             <a:endParaRPr lang="fr-FR"/>
           </a:p>
@@ -3180,7 +3180,7 @@
           <a:p>
             <a:fld id="{98C33F01-61E9-4780-81F7-B9159C462FFC}" type="datetime1">
               <a:rPr lang="fr-FR" smtClean="0"/>
-              <a:t>10/05/2015</a:t>
+              <a:t>13/05/2015</a:t>
             </a:fld>
             <a:endParaRPr lang="fr-FR"/>
           </a:p>
@@ -3562,7 +3562,7 @@
           <a:p>
             <a:fld id="{A869576C-D82C-4BD2-9434-A3563205E81E}" type="datetime1">
               <a:rPr lang="fr-FR" smtClean="0"/>
-              <a:t>10/05/2015</a:t>
+              <a:t>13/05/2015</a:t>
             </a:fld>
             <a:endParaRPr lang="fr-FR"/>
           </a:p>
@@ -3857,7 +3857,7 @@
           <a:p>
             <a:fld id="{35C4DAF9-7271-45F4-895A-EE8398A8208E}" type="datetime1">
               <a:rPr lang="fr-FR" smtClean="0"/>
-              <a:t>10/05/2015</a:t>
+              <a:t>13/05/2015</a:t>
             </a:fld>
             <a:endParaRPr lang="fr-FR"/>
           </a:p>
@@ -5291,8 +5291,8 @@
           </a:p>
         </p:txBody>
       </p:sp>
-      <mc:AlternateContent xmlns:mc="http://schemas.openxmlformats.org/markup-compatibility/2006">
-        <mc:Choice xmlns:a14="http://schemas.microsoft.com/office/drawing/2010/main" Requires="a14">
+      <mc:AlternateContent xmlns:mc="http://schemas.openxmlformats.org/markup-compatibility/2006" xmlns:a14="http://schemas.microsoft.com/office/drawing/2010/main">
+        <mc:Choice Requires="a14">
           <p:sp>
             <p:nvSpPr>
               <p:cNvPr id="7" name="Rectangle 6"/>
@@ -5314,6 +5314,7 @@
               </a:bodyPr>
               <a:lstStyle/>
               <a:p>
+                <a:pPr/>
                 <a14:m>
                   <m:oMathPara xmlns:m="http://schemas.openxmlformats.org/officeDocument/2006/math">
                     <m:oMathParaPr>
@@ -5574,7 +5575,7 @@
             </p:txBody>
           </p:sp>
         </mc:Choice>
-        <mc:Fallback>
+        <mc:Fallback xmlns="">
           <p:sp>
             <p:nvSpPr>
               <p:cNvPr id="7" name="Rectangle 6"/>
@@ -5836,7 +5837,15 @@
             </a:pPr>
             <a:r>
               <a:rPr lang="fr-FR" sz="2000" dirty="0" smtClean="0"/>
-              <a:t>Création d’une interface pour faire des tests unitaires sur la base de données</a:t>
+              <a:t>Création d’une interface pour faire des tests unitaires sur </a:t>
+            </a:r>
+            <a:r>
+              <a:rPr lang="fr-FR" sz="2000" smtClean="0"/>
+              <a:t>l’API de la </a:t>
+            </a:r>
+            <a:r>
+              <a:rPr lang="fr-FR" sz="2000" dirty="0" smtClean="0"/>
+              <a:t>base de données</a:t>
             </a:r>
           </a:p>
           <a:p>
@@ -6828,7 +6837,11 @@
             </a:r>
             <a:r>
               <a:rPr lang="fr-FR" dirty="0" smtClean="0"/>
-              <a:t>et PHP 5,5</a:t>
+              <a:t>et </a:t>
+            </a:r>
+            <a:r>
+              <a:rPr lang="fr-FR" smtClean="0"/>
+              <a:t>PHP 5.5</a:t>
             </a:r>
             <a:endParaRPr lang="fr-FR" dirty="0"/>
           </a:p>
@@ -8764,7 +8777,6 @@
               <a:rPr lang="fr-FR" dirty="0"/>
               <a:t>au portail</a:t>
             </a:r>
-            <a:endParaRPr lang="fr-FR" dirty="0"/>
           </a:p>
         </p:txBody>
       </p:sp>

--- a/Documentation/soutenance.pptx
+++ b/Documentation/soutenance.pptx
@@ -219,9 +219,9 @@
 <file path=ppt/comments/comment6.xml><?xml version="1.0" encoding="utf-8"?>
 <p:cmLst xmlns:a="http://schemas.openxmlformats.org/drawingml/2006/main" xmlns:r="http://schemas.openxmlformats.org/officeDocument/2006/relationships" xmlns:p="http://schemas.openxmlformats.org/presentationml/2006/main">
   <p:cm authorId="1" dt="2015-05-10T22:58:59.574" idx="4">
-    <p:pos x="3843" y="2385"/>
+    <p:pos x="5582" y="3811"/>
     <p:text>Commencé avec EasyPhp qui est en 5.6.15 Problème avec la BDD =&gt; Wamp</p:text>
-    <p:extLst>
+    <p:extLst mod="1">
       <p:ext uri="{C676402C-5697-4E1C-873F-D02D1690AC5C}">
         <p15:threadingInfo xmlns:p15="http://schemas.microsoft.com/office/powerpoint/2012/main" timeZoneBias="-120"/>
       </p:ext>
@@ -233,14 +233,14 @@
 <file path=ppt/comments/comment7.xml><?xml version="1.0" encoding="utf-8"?>
 <p:cmLst xmlns:a="http://schemas.openxmlformats.org/drawingml/2006/main" xmlns:r="http://schemas.openxmlformats.org/officeDocument/2006/relationships" xmlns:p="http://schemas.openxmlformats.org/presentationml/2006/main">
   <p:cm authorId="1" dt="2015-05-10T23:35:21.896" idx="7">
-    <p:pos x="2727" y="1530"/>
+    <p:pos x="5602" y="10"/>
     <p:text>Rôle du modérateur
 La base de données est construite de façon à ce que le modérateur puisse à la main supprimer une page ou en ajouter une. Cependant nous n’avons pas eu le temps de développer ces deux fonctionnalités dans l’application.
 Personnalisation et importance
 Nous avions pensé à pouvoir lister les événements d’une carte en fonction de leur importance ou de n’afficher que les X événements les plus importants mais nous n’avons pas eu le temps d’implémenter ces fonctionnalités.
 Amélioration de la fonction pour récupérer une date s’il n’y a pas d’infobox
 Nous avons testé l’exactitude des dates récupérées à l’aide de cette fonction. Pour la Rome Antique, par exemple, l’utilisation de cette fonction permet d’afficher 116 événements en plus. Cependant sur ces 116 événements, seuls 41 (35%) correspondent à la date réelle de l’événement. Les 75 autres événements sont donc affichés dans le Viewer à une mauvaise date.</p:text>
-    <p:extLst>
+    <p:extLst mod="1">
       <p:ext uri="{C676402C-5697-4E1C-873F-D02D1690AC5C}">
         <p15:threadingInfo xmlns:p15="http://schemas.microsoft.com/office/powerpoint/2012/main" timeZoneBias="-120"/>
       </p:ext>
@@ -331,7 +331,7 @@
           <a:p>
             <a:fld id="{0EB65B14-8EEE-40F8-AECD-76AA10F650D0}" type="datetimeFigureOut">
               <a:rPr lang="fr-FR" smtClean="0"/>
-              <a:t>10/05/2015</a:t>
+              <a:t>13/05/2015</a:t>
             </a:fld>
             <a:endParaRPr lang="fr-FR"/>
           </a:p>
@@ -643,7 +643,30 @@
           <a:bodyPr/>
           <a:lstStyle/>
           <a:p>
-            <a:endParaRPr lang="fr-FR"/>
+            <a:pPr marL="0" marR="0" indent="0" algn="l" defTabSz="914400" rtl="0" eaLnBrk="1" fontAlgn="auto" latinLnBrk="0" hangingPunct="1">
+              <a:lnSpc>
+                <a:spcPct val="100000"/>
+              </a:lnSpc>
+              <a:spcBef>
+                <a:spcPts val="0"/>
+              </a:spcBef>
+              <a:spcAft>
+                <a:spcPts val="0"/>
+              </a:spcAft>
+              <a:buClrTx/>
+              <a:buSzTx/>
+              <a:buFontTx/>
+              <a:buNone/>
+              <a:tabLst/>
+              <a:defRPr/>
+            </a:pPr>
+            <a:r>
+              <a:rPr lang="fr-FR" dirty="0" smtClean="0"/>
+              <a:t>MANON</a:t>
+            </a:r>
+          </a:p>
+          <a:p>
+            <a:endParaRPr lang="fr-FR" dirty="0"/>
           </a:p>
         </p:txBody>
       </p:sp>
@@ -674,6 +697,1461 @@
     <p:extLst>
       <p:ext uri="{BB962C8B-B14F-4D97-AF65-F5344CB8AC3E}">
         <p14:creationId xmlns:p14="http://schemas.microsoft.com/office/powerpoint/2010/main" val="1801206309"/>
+      </p:ext>
+    </p:extLst>
+  </p:cSld>
+  <p:clrMapOvr>
+    <a:masterClrMapping/>
+  </p:clrMapOvr>
+</p:notes>
+</file>
+
+<file path=ppt/notesSlides/notesSlide10.xml><?xml version="1.0" encoding="utf-8"?>
+<p:notes xmlns:a="http://schemas.openxmlformats.org/drawingml/2006/main" xmlns:r="http://schemas.openxmlformats.org/officeDocument/2006/relationships" xmlns:p="http://schemas.openxmlformats.org/presentationml/2006/main">
+  <p:cSld>
+    <p:spTree>
+      <p:nvGrpSpPr>
+        <p:cNvPr id="1" name=""/>
+        <p:cNvGrpSpPr/>
+        <p:nvPr/>
+      </p:nvGrpSpPr>
+      <p:grpSpPr>
+        <a:xfrm>
+          <a:off x="0" y="0"/>
+          <a:ext cx="0" cy="0"/>
+          <a:chOff x="0" y="0"/>
+          <a:chExt cx="0" cy="0"/>
+        </a:xfrm>
+      </p:grpSpPr>
+      <p:sp>
+        <p:nvSpPr>
+          <p:cNvPr id="2" name="Espace réservé de l'image des diapositives 1"/>
+          <p:cNvSpPr>
+            <a:spLocks noGrp="1" noRot="1" noChangeAspect="1"/>
+          </p:cNvSpPr>
+          <p:nvPr>
+            <p:ph type="sldImg"/>
+          </p:nvPr>
+        </p:nvSpPr>
+        <p:spPr/>
+      </p:sp>
+      <p:sp>
+        <p:nvSpPr>
+          <p:cNvPr id="3" name="Espace réservé des commentaires 2"/>
+          <p:cNvSpPr>
+            <a:spLocks noGrp="1"/>
+          </p:cNvSpPr>
+          <p:nvPr>
+            <p:ph type="body" idx="1"/>
+          </p:nvPr>
+        </p:nvSpPr>
+        <p:spPr/>
+        <p:txBody>
+          <a:bodyPr/>
+          <a:lstStyle/>
+          <a:p>
+            <a:r>
+              <a:rPr lang="fr-FR" dirty="0" smtClean="0"/>
+              <a:t>MANON</a:t>
+            </a:r>
+            <a:endParaRPr lang="fr-FR" dirty="0"/>
+          </a:p>
+        </p:txBody>
+      </p:sp>
+      <p:sp>
+        <p:nvSpPr>
+          <p:cNvPr id="4" name="Espace réservé du numéro de diapositive 3"/>
+          <p:cNvSpPr>
+            <a:spLocks noGrp="1"/>
+          </p:cNvSpPr>
+          <p:nvPr>
+            <p:ph type="sldNum" sz="quarter" idx="10"/>
+          </p:nvPr>
+        </p:nvSpPr>
+        <p:spPr/>
+        <p:txBody>
+          <a:bodyPr/>
+          <a:lstStyle/>
+          <a:p>
+            <a:fld id="{22B6FF15-C527-4C13-8D98-103B165244E2}" type="slidenum">
+              <a:rPr lang="fr-FR" smtClean="0"/>
+              <a:t>13</a:t>
+            </a:fld>
+            <a:endParaRPr lang="fr-FR"/>
+          </a:p>
+        </p:txBody>
+      </p:sp>
+    </p:spTree>
+    <p:extLst>
+      <p:ext uri="{BB962C8B-B14F-4D97-AF65-F5344CB8AC3E}">
+        <p14:creationId xmlns:p14="http://schemas.microsoft.com/office/powerpoint/2010/main" val="1089935450"/>
+      </p:ext>
+    </p:extLst>
+  </p:cSld>
+  <p:clrMapOvr>
+    <a:masterClrMapping/>
+  </p:clrMapOvr>
+</p:notes>
+</file>
+
+<file path=ppt/notesSlides/notesSlide11.xml><?xml version="1.0" encoding="utf-8"?>
+<p:notes xmlns:a="http://schemas.openxmlformats.org/drawingml/2006/main" xmlns:r="http://schemas.openxmlformats.org/officeDocument/2006/relationships" xmlns:p="http://schemas.openxmlformats.org/presentationml/2006/main">
+  <p:cSld>
+    <p:spTree>
+      <p:nvGrpSpPr>
+        <p:cNvPr id="1" name=""/>
+        <p:cNvGrpSpPr/>
+        <p:nvPr/>
+      </p:nvGrpSpPr>
+      <p:grpSpPr>
+        <a:xfrm>
+          <a:off x="0" y="0"/>
+          <a:ext cx="0" cy="0"/>
+          <a:chOff x="0" y="0"/>
+          <a:chExt cx="0" cy="0"/>
+        </a:xfrm>
+      </p:grpSpPr>
+      <p:sp>
+        <p:nvSpPr>
+          <p:cNvPr id="2" name="Espace réservé de l'image des diapositives 1"/>
+          <p:cNvSpPr>
+            <a:spLocks noGrp="1" noRot="1" noChangeAspect="1"/>
+          </p:cNvSpPr>
+          <p:nvPr>
+            <p:ph type="sldImg"/>
+          </p:nvPr>
+        </p:nvSpPr>
+        <p:spPr/>
+      </p:sp>
+      <p:sp>
+        <p:nvSpPr>
+          <p:cNvPr id="3" name="Espace réservé des commentaires 2"/>
+          <p:cNvSpPr>
+            <a:spLocks noGrp="1"/>
+          </p:cNvSpPr>
+          <p:nvPr>
+            <p:ph type="body" idx="1"/>
+          </p:nvPr>
+        </p:nvSpPr>
+        <p:spPr/>
+        <p:txBody>
+          <a:bodyPr/>
+          <a:lstStyle/>
+          <a:p>
+            <a:r>
+              <a:rPr lang="fr-FR" dirty="0" smtClean="0"/>
+              <a:t>ADELAIDE</a:t>
+            </a:r>
+            <a:endParaRPr lang="fr-FR" dirty="0"/>
+          </a:p>
+        </p:txBody>
+      </p:sp>
+      <p:sp>
+        <p:nvSpPr>
+          <p:cNvPr id="4" name="Espace réservé du numéro de diapositive 3"/>
+          <p:cNvSpPr>
+            <a:spLocks noGrp="1"/>
+          </p:cNvSpPr>
+          <p:nvPr>
+            <p:ph type="sldNum" sz="quarter" idx="10"/>
+          </p:nvPr>
+        </p:nvSpPr>
+        <p:spPr/>
+        <p:txBody>
+          <a:bodyPr/>
+          <a:lstStyle/>
+          <a:p>
+            <a:fld id="{22B6FF15-C527-4C13-8D98-103B165244E2}" type="slidenum">
+              <a:rPr lang="fr-FR" smtClean="0"/>
+              <a:t>14</a:t>
+            </a:fld>
+            <a:endParaRPr lang="fr-FR"/>
+          </a:p>
+        </p:txBody>
+      </p:sp>
+    </p:spTree>
+    <p:extLst>
+      <p:ext uri="{BB962C8B-B14F-4D97-AF65-F5344CB8AC3E}">
+        <p14:creationId xmlns:p14="http://schemas.microsoft.com/office/powerpoint/2010/main" val="3614459619"/>
+      </p:ext>
+    </p:extLst>
+  </p:cSld>
+  <p:clrMapOvr>
+    <a:masterClrMapping/>
+  </p:clrMapOvr>
+</p:notes>
+</file>
+
+<file path=ppt/notesSlides/notesSlide12.xml><?xml version="1.0" encoding="utf-8"?>
+<p:notes xmlns:a="http://schemas.openxmlformats.org/drawingml/2006/main" xmlns:r="http://schemas.openxmlformats.org/officeDocument/2006/relationships" xmlns:p="http://schemas.openxmlformats.org/presentationml/2006/main">
+  <p:cSld>
+    <p:spTree>
+      <p:nvGrpSpPr>
+        <p:cNvPr id="1" name=""/>
+        <p:cNvGrpSpPr/>
+        <p:nvPr/>
+      </p:nvGrpSpPr>
+      <p:grpSpPr>
+        <a:xfrm>
+          <a:off x="0" y="0"/>
+          <a:ext cx="0" cy="0"/>
+          <a:chOff x="0" y="0"/>
+          <a:chExt cx="0" cy="0"/>
+        </a:xfrm>
+      </p:grpSpPr>
+      <p:sp>
+        <p:nvSpPr>
+          <p:cNvPr id="2" name="Espace réservé de l'image des diapositives 1"/>
+          <p:cNvSpPr>
+            <a:spLocks noGrp="1" noRot="1" noChangeAspect="1"/>
+          </p:cNvSpPr>
+          <p:nvPr>
+            <p:ph type="sldImg"/>
+          </p:nvPr>
+        </p:nvSpPr>
+        <p:spPr/>
+      </p:sp>
+      <p:sp>
+        <p:nvSpPr>
+          <p:cNvPr id="3" name="Espace réservé des commentaires 2"/>
+          <p:cNvSpPr>
+            <a:spLocks noGrp="1"/>
+          </p:cNvSpPr>
+          <p:nvPr>
+            <p:ph type="body" idx="1"/>
+          </p:nvPr>
+        </p:nvSpPr>
+        <p:spPr/>
+        <p:txBody>
+          <a:bodyPr/>
+          <a:lstStyle/>
+          <a:p>
+            <a:pPr marL="0" marR="0" indent="0" algn="l" defTabSz="914400" rtl="0" eaLnBrk="1" fontAlgn="auto" latinLnBrk="0" hangingPunct="1">
+              <a:lnSpc>
+                <a:spcPct val="100000"/>
+              </a:lnSpc>
+              <a:spcBef>
+                <a:spcPts val="0"/>
+              </a:spcBef>
+              <a:spcAft>
+                <a:spcPts val="0"/>
+              </a:spcAft>
+              <a:buClrTx/>
+              <a:buSzTx/>
+              <a:buFontTx/>
+              <a:buNone/>
+              <a:tabLst/>
+              <a:defRPr/>
+            </a:pPr>
+            <a:r>
+              <a:rPr lang="fr-FR" dirty="0" smtClean="0"/>
+              <a:t>ADELAIDE</a:t>
+            </a:r>
+          </a:p>
+          <a:p>
+            <a:endParaRPr lang="fr-FR" dirty="0"/>
+          </a:p>
+        </p:txBody>
+      </p:sp>
+      <p:sp>
+        <p:nvSpPr>
+          <p:cNvPr id="4" name="Espace réservé du numéro de diapositive 3"/>
+          <p:cNvSpPr>
+            <a:spLocks noGrp="1"/>
+          </p:cNvSpPr>
+          <p:nvPr>
+            <p:ph type="sldNum" sz="quarter" idx="10"/>
+          </p:nvPr>
+        </p:nvSpPr>
+        <p:spPr/>
+        <p:txBody>
+          <a:bodyPr/>
+          <a:lstStyle/>
+          <a:p>
+            <a:fld id="{22B6FF15-C527-4C13-8D98-103B165244E2}" type="slidenum">
+              <a:rPr lang="fr-FR" smtClean="0"/>
+              <a:t>15</a:t>
+            </a:fld>
+            <a:endParaRPr lang="fr-FR"/>
+          </a:p>
+        </p:txBody>
+      </p:sp>
+    </p:spTree>
+    <p:extLst>
+      <p:ext uri="{BB962C8B-B14F-4D97-AF65-F5344CB8AC3E}">
+        <p14:creationId xmlns:p14="http://schemas.microsoft.com/office/powerpoint/2010/main" val="2454112274"/>
+      </p:ext>
+    </p:extLst>
+  </p:cSld>
+  <p:clrMapOvr>
+    <a:masterClrMapping/>
+  </p:clrMapOvr>
+</p:notes>
+</file>
+
+<file path=ppt/notesSlides/notesSlide13.xml><?xml version="1.0" encoding="utf-8"?>
+<p:notes xmlns:a="http://schemas.openxmlformats.org/drawingml/2006/main" xmlns:r="http://schemas.openxmlformats.org/officeDocument/2006/relationships" xmlns:p="http://schemas.openxmlformats.org/presentationml/2006/main">
+  <p:cSld>
+    <p:spTree>
+      <p:nvGrpSpPr>
+        <p:cNvPr id="1" name=""/>
+        <p:cNvGrpSpPr/>
+        <p:nvPr/>
+      </p:nvGrpSpPr>
+      <p:grpSpPr>
+        <a:xfrm>
+          <a:off x="0" y="0"/>
+          <a:ext cx="0" cy="0"/>
+          <a:chOff x="0" y="0"/>
+          <a:chExt cx="0" cy="0"/>
+        </a:xfrm>
+      </p:grpSpPr>
+      <p:sp>
+        <p:nvSpPr>
+          <p:cNvPr id="2" name="Espace réservé de l'image des diapositives 1"/>
+          <p:cNvSpPr>
+            <a:spLocks noGrp="1" noRot="1" noChangeAspect="1"/>
+          </p:cNvSpPr>
+          <p:nvPr>
+            <p:ph type="sldImg"/>
+          </p:nvPr>
+        </p:nvSpPr>
+        <p:spPr/>
+      </p:sp>
+      <p:sp>
+        <p:nvSpPr>
+          <p:cNvPr id="3" name="Espace réservé des commentaires 2"/>
+          <p:cNvSpPr>
+            <a:spLocks noGrp="1"/>
+          </p:cNvSpPr>
+          <p:nvPr>
+            <p:ph type="body" idx="1"/>
+          </p:nvPr>
+        </p:nvSpPr>
+        <p:spPr/>
+        <p:txBody>
+          <a:bodyPr/>
+          <a:lstStyle/>
+          <a:p>
+            <a:pPr marL="0" marR="0" indent="0" algn="l" defTabSz="914400" rtl="0" eaLnBrk="1" fontAlgn="auto" latinLnBrk="0" hangingPunct="1">
+              <a:lnSpc>
+                <a:spcPct val="100000"/>
+              </a:lnSpc>
+              <a:spcBef>
+                <a:spcPts val="0"/>
+              </a:spcBef>
+              <a:spcAft>
+                <a:spcPts val="0"/>
+              </a:spcAft>
+              <a:buClrTx/>
+              <a:buSzTx/>
+              <a:buFontTx/>
+              <a:buNone/>
+              <a:tabLst/>
+              <a:defRPr/>
+            </a:pPr>
+            <a:r>
+              <a:rPr lang="fr-FR" dirty="0" smtClean="0"/>
+              <a:t>ADELAIDE</a:t>
+            </a:r>
+          </a:p>
+          <a:p>
+            <a:endParaRPr lang="fr-FR" dirty="0"/>
+          </a:p>
+        </p:txBody>
+      </p:sp>
+      <p:sp>
+        <p:nvSpPr>
+          <p:cNvPr id="4" name="Espace réservé du numéro de diapositive 3"/>
+          <p:cNvSpPr>
+            <a:spLocks noGrp="1"/>
+          </p:cNvSpPr>
+          <p:nvPr>
+            <p:ph type="sldNum" sz="quarter" idx="10"/>
+          </p:nvPr>
+        </p:nvSpPr>
+        <p:spPr/>
+        <p:txBody>
+          <a:bodyPr/>
+          <a:lstStyle/>
+          <a:p>
+            <a:fld id="{22B6FF15-C527-4C13-8D98-103B165244E2}" type="slidenum">
+              <a:rPr lang="fr-FR" smtClean="0"/>
+              <a:t>16</a:t>
+            </a:fld>
+            <a:endParaRPr lang="fr-FR"/>
+          </a:p>
+        </p:txBody>
+      </p:sp>
+    </p:spTree>
+    <p:extLst>
+      <p:ext uri="{BB962C8B-B14F-4D97-AF65-F5344CB8AC3E}">
+        <p14:creationId xmlns:p14="http://schemas.microsoft.com/office/powerpoint/2010/main" val="2468280732"/>
+      </p:ext>
+    </p:extLst>
+  </p:cSld>
+  <p:clrMapOvr>
+    <a:masterClrMapping/>
+  </p:clrMapOvr>
+</p:notes>
+</file>
+
+<file path=ppt/notesSlides/notesSlide14.xml><?xml version="1.0" encoding="utf-8"?>
+<p:notes xmlns:a="http://schemas.openxmlformats.org/drawingml/2006/main" xmlns:r="http://schemas.openxmlformats.org/officeDocument/2006/relationships" xmlns:p="http://schemas.openxmlformats.org/presentationml/2006/main">
+  <p:cSld>
+    <p:spTree>
+      <p:nvGrpSpPr>
+        <p:cNvPr id="1" name=""/>
+        <p:cNvGrpSpPr/>
+        <p:nvPr/>
+      </p:nvGrpSpPr>
+      <p:grpSpPr>
+        <a:xfrm>
+          <a:off x="0" y="0"/>
+          <a:ext cx="0" cy="0"/>
+          <a:chOff x="0" y="0"/>
+          <a:chExt cx="0" cy="0"/>
+        </a:xfrm>
+      </p:grpSpPr>
+      <p:sp>
+        <p:nvSpPr>
+          <p:cNvPr id="2" name="Espace réservé de l'image des diapositives 1"/>
+          <p:cNvSpPr>
+            <a:spLocks noGrp="1" noRot="1" noChangeAspect="1"/>
+          </p:cNvSpPr>
+          <p:nvPr>
+            <p:ph type="sldImg"/>
+          </p:nvPr>
+        </p:nvSpPr>
+        <p:spPr/>
+      </p:sp>
+      <p:sp>
+        <p:nvSpPr>
+          <p:cNvPr id="3" name="Espace réservé des commentaires 2"/>
+          <p:cNvSpPr>
+            <a:spLocks noGrp="1"/>
+          </p:cNvSpPr>
+          <p:nvPr>
+            <p:ph type="body" idx="1"/>
+          </p:nvPr>
+        </p:nvSpPr>
+        <p:spPr/>
+        <p:txBody>
+          <a:bodyPr/>
+          <a:lstStyle/>
+          <a:p>
+            <a:pPr marL="0" marR="0" indent="0" algn="l" defTabSz="914400" rtl="0" eaLnBrk="1" fontAlgn="auto" latinLnBrk="0" hangingPunct="1">
+              <a:lnSpc>
+                <a:spcPct val="100000"/>
+              </a:lnSpc>
+              <a:spcBef>
+                <a:spcPts val="0"/>
+              </a:spcBef>
+              <a:spcAft>
+                <a:spcPts val="0"/>
+              </a:spcAft>
+              <a:buClrTx/>
+              <a:buSzTx/>
+              <a:buFontTx/>
+              <a:buNone/>
+              <a:tabLst/>
+              <a:defRPr/>
+            </a:pPr>
+            <a:r>
+              <a:rPr lang="fr-FR" dirty="0" smtClean="0"/>
+              <a:t>ADELAIDE</a:t>
+            </a:r>
+          </a:p>
+          <a:p>
+            <a:endParaRPr lang="fr-FR" dirty="0"/>
+          </a:p>
+        </p:txBody>
+      </p:sp>
+      <p:sp>
+        <p:nvSpPr>
+          <p:cNvPr id="4" name="Espace réservé du numéro de diapositive 3"/>
+          <p:cNvSpPr>
+            <a:spLocks noGrp="1"/>
+          </p:cNvSpPr>
+          <p:nvPr>
+            <p:ph type="sldNum" sz="quarter" idx="10"/>
+          </p:nvPr>
+        </p:nvSpPr>
+        <p:spPr/>
+        <p:txBody>
+          <a:bodyPr/>
+          <a:lstStyle/>
+          <a:p>
+            <a:fld id="{22B6FF15-C527-4C13-8D98-103B165244E2}" type="slidenum">
+              <a:rPr lang="fr-FR" smtClean="0"/>
+              <a:t>17</a:t>
+            </a:fld>
+            <a:endParaRPr lang="fr-FR"/>
+          </a:p>
+        </p:txBody>
+      </p:sp>
+    </p:spTree>
+    <p:extLst>
+      <p:ext uri="{BB962C8B-B14F-4D97-AF65-F5344CB8AC3E}">
+        <p14:creationId xmlns:p14="http://schemas.microsoft.com/office/powerpoint/2010/main" val="3836161640"/>
+      </p:ext>
+    </p:extLst>
+  </p:cSld>
+  <p:clrMapOvr>
+    <a:masterClrMapping/>
+  </p:clrMapOvr>
+</p:notes>
+</file>
+
+<file path=ppt/notesSlides/notesSlide15.xml><?xml version="1.0" encoding="utf-8"?>
+<p:notes xmlns:a="http://schemas.openxmlformats.org/drawingml/2006/main" xmlns:r="http://schemas.openxmlformats.org/officeDocument/2006/relationships" xmlns:p="http://schemas.openxmlformats.org/presentationml/2006/main">
+  <p:cSld>
+    <p:spTree>
+      <p:nvGrpSpPr>
+        <p:cNvPr id="1" name=""/>
+        <p:cNvGrpSpPr/>
+        <p:nvPr/>
+      </p:nvGrpSpPr>
+      <p:grpSpPr>
+        <a:xfrm>
+          <a:off x="0" y="0"/>
+          <a:ext cx="0" cy="0"/>
+          <a:chOff x="0" y="0"/>
+          <a:chExt cx="0" cy="0"/>
+        </a:xfrm>
+      </p:grpSpPr>
+      <p:sp>
+        <p:nvSpPr>
+          <p:cNvPr id="2" name="Espace réservé de l'image des diapositives 1"/>
+          <p:cNvSpPr>
+            <a:spLocks noGrp="1" noRot="1" noChangeAspect="1"/>
+          </p:cNvSpPr>
+          <p:nvPr>
+            <p:ph type="sldImg"/>
+          </p:nvPr>
+        </p:nvSpPr>
+        <p:spPr/>
+      </p:sp>
+      <p:sp>
+        <p:nvSpPr>
+          <p:cNvPr id="3" name="Espace réservé des commentaires 2"/>
+          <p:cNvSpPr>
+            <a:spLocks noGrp="1"/>
+          </p:cNvSpPr>
+          <p:nvPr>
+            <p:ph type="body" idx="1"/>
+          </p:nvPr>
+        </p:nvSpPr>
+        <p:spPr/>
+        <p:txBody>
+          <a:bodyPr/>
+          <a:lstStyle/>
+          <a:p>
+            <a:r>
+              <a:rPr lang="fr-FR" dirty="0" smtClean="0"/>
+              <a:t>MANON : </a:t>
+            </a:r>
+            <a:r>
+              <a:rPr lang="fr-FR" dirty="0" err="1" smtClean="0"/>
+              <a:t>mySQL</a:t>
+            </a:r>
+            <a:r>
+              <a:rPr lang="fr-FR" dirty="0" smtClean="0"/>
+              <a:t> 5.6.17 et PHP 5.5</a:t>
+            </a:r>
+            <a:r>
+              <a:rPr lang="fr-FR" baseline="0" dirty="0" smtClean="0"/>
+              <a:t> </a:t>
+            </a:r>
+            <a:r>
+              <a:rPr lang="fr-FR" dirty="0" smtClean="0"/>
+              <a:t>pour </a:t>
+            </a:r>
+            <a:r>
+              <a:rPr lang="fr-FR" b="1" dirty="0" smtClean="0"/>
+              <a:t>transaction</a:t>
+            </a:r>
+            <a:endParaRPr lang="fr-FR" b="1" dirty="0"/>
+          </a:p>
+        </p:txBody>
+      </p:sp>
+      <p:sp>
+        <p:nvSpPr>
+          <p:cNvPr id="4" name="Espace réservé du numéro de diapositive 3"/>
+          <p:cNvSpPr>
+            <a:spLocks noGrp="1"/>
+          </p:cNvSpPr>
+          <p:nvPr>
+            <p:ph type="sldNum" sz="quarter" idx="10"/>
+          </p:nvPr>
+        </p:nvSpPr>
+        <p:spPr/>
+        <p:txBody>
+          <a:bodyPr/>
+          <a:lstStyle/>
+          <a:p>
+            <a:fld id="{22B6FF15-C527-4C13-8D98-103B165244E2}" type="slidenum">
+              <a:rPr lang="fr-FR" smtClean="0"/>
+              <a:t>18</a:t>
+            </a:fld>
+            <a:endParaRPr lang="fr-FR"/>
+          </a:p>
+        </p:txBody>
+      </p:sp>
+    </p:spTree>
+    <p:extLst>
+      <p:ext uri="{BB962C8B-B14F-4D97-AF65-F5344CB8AC3E}">
+        <p14:creationId xmlns:p14="http://schemas.microsoft.com/office/powerpoint/2010/main" val="3625057955"/>
+      </p:ext>
+    </p:extLst>
+  </p:cSld>
+  <p:clrMapOvr>
+    <a:masterClrMapping/>
+  </p:clrMapOvr>
+</p:notes>
+</file>
+
+<file path=ppt/notesSlides/notesSlide16.xml><?xml version="1.0" encoding="utf-8"?>
+<p:notes xmlns:a="http://schemas.openxmlformats.org/drawingml/2006/main" xmlns:r="http://schemas.openxmlformats.org/officeDocument/2006/relationships" xmlns:p="http://schemas.openxmlformats.org/presentationml/2006/main">
+  <p:cSld>
+    <p:spTree>
+      <p:nvGrpSpPr>
+        <p:cNvPr id="1" name=""/>
+        <p:cNvGrpSpPr/>
+        <p:nvPr/>
+      </p:nvGrpSpPr>
+      <p:grpSpPr>
+        <a:xfrm>
+          <a:off x="0" y="0"/>
+          <a:ext cx="0" cy="0"/>
+          <a:chOff x="0" y="0"/>
+          <a:chExt cx="0" cy="0"/>
+        </a:xfrm>
+      </p:grpSpPr>
+      <p:sp>
+        <p:nvSpPr>
+          <p:cNvPr id="2" name="Espace réservé de l'image des diapositives 1"/>
+          <p:cNvSpPr>
+            <a:spLocks noGrp="1" noRot="1" noChangeAspect="1"/>
+          </p:cNvSpPr>
+          <p:nvPr>
+            <p:ph type="sldImg"/>
+          </p:nvPr>
+        </p:nvSpPr>
+        <p:spPr/>
+      </p:sp>
+      <p:sp>
+        <p:nvSpPr>
+          <p:cNvPr id="3" name="Espace réservé des commentaires 2"/>
+          <p:cNvSpPr>
+            <a:spLocks noGrp="1"/>
+          </p:cNvSpPr>
+          <p:nvPr>
+            <p:ph type="body" idx="1"/>
+          </p:nvPr>
+        </p:nvSpPr>
+        <p:spPr/>
+        <p:txBody>
+          <a:bodyPr/>
+          <a:lstStyle/>
+          <a:p>
+            <a:r>
+              <a:rPr lang="fr-FR" dirty="0" smtClean="0"/>
+              <a:t>VALENTIN</a:t>
+            </a:r>
+            <a:endParaRPr lang="fr-FR" dirty="0"/>
+          </a:p>
+        </p:txBody>
+      </p:sp>
+      <p:sp>
+        <p:nvSpPr>
+          <p:cNvPr id="4" name="Espace réservé du numéro de diapositive 3"/>
+          <p:cNvSpPr>
+            <a:spLocks noGrp="1"/>
+          </p:cNvSpPr>
+          <p:nvPr>
+            <p:ph type="sldNum" sz="quarter" idx="10"/>
+          </p:nvPr>
+        </p:nvSpPr>
+        <p:spPr/>
+        <p:txBody>
+          <a:bodyPr/>
+          <a:lstStyle/>
+          <a:p>
+            <a:fld id="{22B6FF15-C527-4C13-8D98-103B165244E2}" type="slidenum">
+              <a:rPr lang="fr-FR" smtClean="0"/>
+              <a:t>19</a:t>
+            </a:fld>
+            <a:endParaRPr lang="fr-FR"/>
+          </a:p>
+        </p:txBody>
+      </p:sp>
+    </p:spTree>
+    <p:extLst>
+      <p:ext uri="{BB962C8B-B14F-4D97-AF65-F5344CB8AC3E}">
+        <p14:creationId xmlns:p14="http://schemas.microsoft.com/office/powerpoint/2010/main" val="2518058657"/>
+      </p:ext>
+    </p:extLst>
+  </p:cSld>
+  <p:clrMapOvr>
+    <a:masterClrMapping/>
+  </p:clrMapOvr>
+</p:notes>
+</file>
+
+<file path=ppt/notesSlides/notesSlide2.xml><?xml version="1.0" encoding="utf-8"?>
+<p:notes xmlns:a="http://schemas.openxmlformats.org/drawingml/2006/main" xmlns:r="http://schemas.openxmlformats.org/officeDocument/2006/relationships" xmlns:p="http://schemas.openxmlformats.org/presentationml/2006/main">
+  <p:cSld>
+    <p:spTree>
+      <p:nvGrpSpPr>
+        <p:cNvPr id="1" name=""/>
+        <p:cNvGrpSpPr/>
+        <p:nvPr/>
+      </p:nvGrpSpPr>
+      <p:grpSpPr>
+        <a:xfrm>
+          <a:off x="0" y="0"/>
+          <a:ext cx="0" cy="0"/>
+          <a:chOff x="0" y="0"/>
+          <a:chExt cx="0" cy="0"/>
+        </a:xfrm>
+      </p:grpSpPr>
+      <p:sp>
+        <p:nvSpPr>
+          <p:cNvPr id="2" name="Espace réservé de l'image des diapositives 1"/>
+          <p:cNvSpPr>
+            <a:spLocks noGrp="1" noRot="1" noChangeAspect="1"/>
+          </p:cNvSpPr>
+          <p:nvPr>
+            <p:ph type="sldImg"/>
+          </p:nvPr>
+        </p:nvSpPr>
+        <p:spPr/>
+      </p:sp>
+      <p:sp>
+        <p:nvSpPr>
+          <p:cNvPr id="3" name="Espace réservé des commentaires 2"/>
+          <p:cNvSpPr>
+            <a:spLocks noGrp="1"/>
+          </p:cNvSpPr>
+          <p:nvPr>
+            <p:ph type="body" idx="1"/>
+          </p:nvPr>
+        </p:nvSpPr>
+        <p:spPr/>
+        <p:txBody>
+          <a:bodyPr/>
+          <a:lstStyle/>
+          <a:p>
+            <a:pPr marL="0" marR="0" indent="0" algn="l" defTabSz="914400" rtl="0" eaLnBrk="1" fontAlgn="auto" latinLnBrk="0" hangingPunct="1">
+              <a:lnSpc>
+                <a:spcPct val="100000"/>
+              </a:lnSpc>
+              <a:spcBef>
+                <a:spcPts val="0"/>
+              </a:spcBef>
+              <a:spcAft>
+                <a:spcPts val="0"/>
+              </a:spcAft>
+              <a:buClrTx/>
+              <a:buSzTx/>
+              <a:buFontTx/>
+              <a:buNone/>
+              <a:tabLst/>
+              <a:defRPr/>
+            </a:pPr>
+            <a:r>
+              <a:rPr lang="fr-FR" dirty="0" smtClean="0"/>
+              <a:t>MANON</a:t>
+            </a:r>
+          </a:p>
+          <a:p>
+            <a:endParaRPr lang="fr-FR" dirty="0"/>
+          </a:p>
+        </p:txBody>
+      </p:sp>
+      <p:sp>
+        <p:nvSpPr>
+          <p:cNvPr id="4" name="Espace réservé du numéro de diapositive 3"/>
+          <p:cNvSpPr>
+            <a:spLocks noGrp="1"/>
+          </p:cNvSpPr>
+          <p:nvPr>
+            <p:ph type="sldNum" sz="quarter" idx="10"/>
+          </p:nvPr>
+        </p:nvSpPr>
+        <p:spPr/>
+        <p:txBody>
+          <a:bodyPr/>
+          <a:lstStyle/>
+          <a:p>
+            <a:fld id="{22B6FF15-C527-4C13-8D98-103B165244E2}" type="slidenum">
+              <a:rPr lang="fr-FR" smtClean="0"/>
+              <a:t>4</a:t>
+            </a:fld>
+            <a:endParaRPr lang="fr-FR"/>
+          </a:p>
+        </p:txBody>
+      </p:sp>
+    </p:spTree>
+    <p:extLst>
+      <p:ext uri="{BB962C8B-B14F-4D97-AF65-F5344CB8AC3E}">
+        <p14:creationId xmlns:p14="http://schemas.microsoft.com/office/powerpoint/2010/main" val="930886563"/>
+      </p:ext>
+    </p:extLst>
+  </p:cSld>
+  <p:clrMapOvr>
+    <a:masterClrMapping/>
+  </p:clrMapOvr>
+</p:notes>
+</file>
+
+<file path=ppt/notesSlides/notesSlide3.xml><?xml version="1.0" encoding="utf-8"?>
+<p:notes xmlns:a="http://schemas.openxmlformats.org/drawingml/2006/main" xmlns:r="http://schemas.openxmlformats.org/officeDocument/2006/relationships" xmlns:p="http://schemas.openxmlformats.org/presentationml/2006/main">
+  <p:cSld>
+    <p:spTree>
+      <p:nvGrpSpPr>
+        <p:cNvPr id="1" name=""/>
+        <p:cNvGrpSpPr/>
+        <p:nvPr/>
+      </p:nvGrpSpPr>
+      <p:grpSpPr>
+        <a:xfrm>
+          <a:off x="0" y="0"/>
+          <a:ext cx="0" cy="0"/>
+          <a:chOff x="0" y="0"/>
+          <a:chExt cx="0" cy="0"/>
+        </a:xfrm>
+      </p:grpSpPr>
+      <p:sp>
+        <p:nvSpPr>
+          <p:cNvPr id="2" name="Espace réservé de l'image des diapositives 1"/>
+          <p:cNvSpPr>
+            <a:spLocks noGrp="1" noRot="1" noChangeAspect="1"/>
+          </p:cNvSpPr>
+          <p:nvPr>
+            <p:ph type="sldImg"/>
+          </p:nvPr>
+        </p:nvSpPr>
+        <p:spPr/>
+      </p:sp>
+      <p:sp>
+        <p:nvSpPr>
+          <p:cNvPr id="3" name="Espace réservé des commentaires 2"/>
+          <p:cNvSpPr>
+            <a:spLocks noGrp="1"/>
+          </p:cNvSpPr>
+          <p:nvPr>
+            <p:ph type="body" idx="1"/>
+          </p:nvPr>
+        </p:nvSpPr>
+        <p:spPr/>
+        <p:txBody>
+          <a:bodyPr/>
+          <a:lstStyle/>
+          <a:p>
+            <a:pPr marL="0" marR="0" indent="0" algn="l" defTabSz="914400" rtl="0" eaLnBrk="1" fontAlgn="auto" latinLnBrk="0" hangingPunct="1">
+              <a:lnSpc>
+                <a:spcPct val="100000"/>
+              </a:lnSpc>
+              <a:spcBef>
+                <a:spcPts val="0"/>
+              </a:spcBef>
+              <a:spcAft>
+                <a:spcPts val="0"/>
+              </a:spcAft>
+              <a:buClrTx/>
+              <a:buSzTx/>
+              <a:buFontTx/>
+              <a:buNone/>
+              <a:tabLst/>
+              <a:defRPr/>
+            </a:pPr>
+            <a:r>
+              <a:rPr lang="fr-FR" dirty="0" smtClean="0"/>
+              <a:t>MANON</a:t>
+            </a:r>
+          </a:p>
+          <a:p>
+            <a:endParaRPr lang="fr-FR" dirty="0"/>
+          </a:p>
+        </p:txBody>
+      </p:sp>
+      <p:sp>
+        <p:nvSpPr>
+          <p:cNvPr id="4" name="Espace réservé du numéro de diapositive 3"/>
+          <p:cNvSpPr>
+            <a:spLocks noGrp="1"/>
+          </p:cNvSpPr>
+          <p:nvPr>
+            <p:ph type="sldNum" sz="quarter" idx="10"/>
+          </p:nvPr>
+        </p:nvSpPr>
+        <p:spPr/>
+        <p:txBody>
+          <a:bodyPr/>
+          <a:lstStyle/>
+          <a:p>
+            <a:fld id="{22B6FF15-C527-4C13-8D98-103B165244E2}" type="slidenum">
+              <a:rPr lang="fr-FR" smtClean="0"/>
+              <a:t>5</a:t>
+            </a:fld>
+            <a:endParaRPr lang="fr-FR"/>
+          </a:p>
+        </p:txBody>
+      </p:sp>
+    </p:spTree>
+    <p:extLst>
+      <p:ext uri="{BB962C8B-B14F-4D97-AF65-F5344CB8AC3E}">
+        <p14:creationId xmlns:p14="http://schemas.microsoft.com/office/powerpoint/2010/main" val="3235915489"/>
+      </p:ext>
+    </p:extLst>
+  </p:cSld>
+  <p:clrMapOvr>
+    <a:masterClrMapping/>
+  </p:clrMapOvr>
+</p:notes>
+</file>
+
+<file path=ppt/notesSlides/notesSlide4.xml><?xml version="1.0" encoding="utf-8"?>
+<p:notes xmlns:a="http://schemas.openxmlformats.org/drawingml/2006/main" xmlns:r="http://schemas.openxmlformats.org/officeDocument/2006/relationships" xmlns:p="http://schemas.openxmlformats.org/presentationml/2006/main">
+  <p:cSld>
+    <p:spTree>
+      <p:nvGrpSpPr>
+        <p:cNvPr id="1" name=""/>
+        <p:cNvGrpSpPr/>
+        <p:nvPr/>
+      </p:nvGrpSpPr>
+      <p:grpSpPr>
+        <a:xfrm>
+          <a:off x="0" y="0"/>
+          <a:ext cx="0" cy="0"/>
+          <a:chOff x="0" y="0"/>
+          <a:chExt cx="0" cy="0"/>
+        </a:xfrm>
+      </p:grpSpPr>
+      <p:sp>
+        <p:nvSpPr>
+          <p:cNvPr id="2" name="Espace réservé de l'image des diapositives 1"/>
+          <p:cNvSpPr>
+            <a:spLocks noGrp="1" noRot="1" noChangeAspect="1"/>
+          </p:cNvSpPr>
+          <p:nvPr>
+            <p:ph type="sldImg"/>
+          </p:nvPr>
+        </p:nvSpPr>
+        <p:spPr/>
+      </p:sp>
+      <p:sp>
+        <p:nvSpPr>
+          <p:cNvPr id="3" name="Espace réservé des commentaires 2"/>
+          <p:cNvSpPr>
+            <a:spLocks noGrp="1"/>
+          </p:cNvSpPr>
+          <p:nvPr>
+            <p:ph type="body" idx="1"/>
+          </p:nvPr>
+        </p:nvSpPr>
+        <p:spPr/>
+        <p:txBody>
+          <a:bodyPr/>
+          <a:lstStyle/>
+          <a:p>
+            <a:r>
+              <a:rPr lang="fr-FR" dirty="0" smtClean="0"/>
+              <a:t>VALENTIN</a:t>
+            </a:r>
+            <a:r>
+              <a:rPr lang="fr-FR" baseline="0" dirty="0" smtClean="0"/>
+              <a:t> </a:t>
+            </a:r>
+            <a:r>
+              <a:rPr lang="fr-FR" dirty="0" smtClean="0"/>
+              <a:t>+ comment: parseur JSON</a:t>
+            </a:r>
+            <a:endParaRPr lang="fr-FR" dirty="0"/>
+          </a:p>
+        </p:txBody>
+      </p:sp>
+      <p:sp>
+        <p:nvSpPr>
+          <p:cNvPr id="4" name="Espace réservé du numéro de diapositive 3"/>
+          <p:cNvSpPr>
+            <a:spLocks noGrp="1"/>
+          </p:cNvSpPr>
+          <p:nvPr>
+            <p:ph type="sldNum" sz="quarter" idx="10"/>
+          </p:nvPr>
+        </p:nvSpPr>
+        <p:spPr/>
+        <p:txBody>
+          <a:bodyPr/>
+          <a:lstStyle/>
+          <a:p>
+            <a:fld id="{22B6FF15-C527-4C13-8D98-103B165244E2}" type="slidenum">
+              <a:rPr lang="fr-FR" smtClean="0"/>
+              <a:t>7</a:t>
+            </a:fld>
+            <a:endParaRPr lang="fr-FR"/>
+          </a:p>
+        </p:txBody>
+      </p:sp>
+    </p:spTree>
+    <p:extLst>
+      <p:ext uri="{BB962C8B-B14F-4D97-AF65-F5344CB8AC3E}">
+        <p14:creationId xmlns:p14="http://schemas.microsoft.com/office/powerpoint/2010/main" val="1732982294"/>
+      </p:ext>
+    </p:extLst>
+  </p:cSld>
+  <p:clrMapOvr>
+    <a:masterClrMapping/>
+  </p:clrMapOvr>
+</p:notes>
+</file>
+
+<file path=ppt/notesSlides/notesSlide5.xml><?xml version="1.0" encoding="utf-8"?>
+<p:notes xmlns:a="http://schemas.openxmlformats.org/drawingml/2006/main" xmlns:r="http://schemas.openxmlformats.org/officeDocument/2006/relationships" xmlns:p="http://schemas.openxmlformats.org/presentationml/2006/main">
+  <p:cSld>
+    <p:spTree>
+      <p:nvGrpSpPr>
+        <p:cNvPr id="1" name=""/>
+        <p:cNvGrpSpPr/>
+        <p:nvPr/>
+      </p:nvGrpSpPr>
+      <p:grpSpPr>
+        <a:xfrm>
+          <a:off x="0" y="0"/>
+          <a:ext cx="0" cy="0"/>
+          <a:chOff x="0" y="0"/>
+          <a:chExt cx="0" cy="0"/>
+        </a:xfrm>
+      </p:grpSpPr>
+      <p:sp>
+        <p:nvSpPr>
+          <p:cNvPr id="2" name="Espace réservé de l'image des diapositives 1"/>
+          <p:cNvSpPr>
+            <a:spLocks noGrp="1" noRot="1" noChangeAspect="1"/>
+          </p:cNvSpPr>
+          <p:nvPr>
+            <p:ph type="sldImg"/>
+          </p:nvPr>
+        </p:nvSpPr>
+        <p:spPr/>
+      </p:sp>
+      <p:sp>
+        <p:nvSpPr>
+          <p:cNvPr id="3" name="Espace réservé des commentaires 2"/>
+          <p:cNvSpPr>
+            <a:spLocks noGrp="1"/>
+          </p:cNvSpPr>
+          <p:nvPr>
+            <p:ph type="body" idx="1"/>
+          </p:nvPr>
+        </p:nvSpPr>
+        <p:spPr/>
+        <p:txBody>
+          <a:bodyPr/>
+          <a:lstStyle/>
+          <a:p>
+            <a:r>
+              <a:rPr lang="fr-FR" dirty="0" smtClean="0"/>
+              <a:t>VALENTIN</a:t>
+            </a:r>
+            <a:r>
+              <a:rPr lang="fr-FR" baseline="0" dirty="0" smtClean="0"/>
+              <a:t> : si pas de date dans l’</a:t>
+            </a:r>
+            <a:r>
+              <a:rPr lang="fr-FR" baseline="0" dirty="0" err="1" smtClean="0"/>
+              <a:t>infobox</a:t>
+            </a:r>
+            <a:r>
+              <a:rPr lang="fr-FR" baseline="0" dirty="0" smtClean="0"/>
+              <a:t> première date de la page</a:t>
+            </a:r>
+            <a:endParaRPr lang="fr-FR" dirty="0"/>
+          </a:p>
+        </p:txBody>
+      </p:sp>
+      <p:sp>
+        <p:nvSpPr>
+          <p:cNvPr id="4" name="Espace réservé du numéro de diapositive 3"/>
+          <p:cNvSpPr>
+            <a:spLocks noGrp="1"/>
+          </p:cNvSpPr>
+          <p:nvPr>
+            <p:ph type="sldNum" sz="quarter" idx="10"/>
+          </p:nvPr>
+        </p:nvSpPr>
+        <p:spPr/>
+        <p:txBody>
+          <a:bodyPr/>
+          <a:lstStyle/>
+          <a:p>
+            <a:fld id="{22B6FF15-C527-4C13-8D98-103B165244E2}" type="slidenum">
+              <a:rPr lang="fr-FR" smtClean="0"/>
+              <a:t>8</a:t>
+            </a:fld>
+            <a:endParaRPr lang="fr-FR"/>
+          </a:p>
+        </p:txBody>
+      </p:sp>
+    </p:spTree>
+    <p:extLst>
+      <p:ext uri="{BB962C8B-B14F-4D97-AF65-F5344CB8AC3E}">
+        <p14:creationId xmlns:p14="http://schemas.microsoft.com/office/powerpoint/2010/main" val="3756348740"/>
+      </p:ext>
+    </p:extLst>
+  </p:cSld>
+  <p:clrMapOvr>
+    <a:masterClrMapping/>
+  </p:clrMapOvr>
+</p:notes>
+</file>
+
+<file path=ppt/notesSlides/notesSlide6.xml><?xml version="1.0" encoding="utf-8"?>
+<p:notes xmlns:a="http://schemas.openxmlformats.org/drawingml/2006/main" xmlns:r="http://schemas.openxmlformats.org/officeDocument/2006/relationships" xmlns:p="http://schemas.openxmlformats.org/presentationml/2006/main">
+  <p:cSld>
+    <p:spTree>
+      <p:nvGrpSpPr>
+        <p:cNvPr id="1" name=""/>
+        <p:cNvGrpSpPr/>
+        <p:nvPr/>
+      </p:nvGrpSpPr>
+      <p:grpSpPr>
+        <a:xfrm>
+          <a:off x="0" y="0"/>
+          <a:ext cx="0" cy="0"/>
+          <a:chOff x="0" y="0"/>
+          <a:chExt cx="0" cy="0"/>
+        </a:xfrm>
+      </p:grpSpPr>
+      <p:sp>
+        <p:nvSpPr>
+          <p:cNvPr id="2" name="Espace réservé de l'image des diapositives 1"/>
+          <p:cNvSpPr>
+            <a:spLocks noGrp="1" noRot="1" noChangeAspect="1"/>
+          </p:cNvSpPr>
+          <p:nvPr>
+            <p:ph type="sldImg"/>
+          </p:nvPr>
+        </p:nvSpPr>
+        <p:spPr/>
+      </p:sp>
+      <p:sp>
+        <p:nvSpPr>
+          <p:cNvPr id="3" name="Espace réservé des commentaires 2"/>
+          <p:cNvSpPr>
+            <a:spLocks noGrp="1"/>
+          </p:cNvSpPr>
+          <p:nvPr>
+            <p:ph type="body" idx="1"/>
+          </p:nvPr>
+        </p:nvSpPr>
+        <p:spPr/>
+        <p:txBody>
+          <a:bodyPr/>
+          <a:lstStyle/>
+          <a:p>
+            <a:r>
+              <a:rPr lang="fr-FR" dirty="0" smtClean="0"/>
+              <a:t>SIMON</a:t>
+            </a:r>
+            <a:endParaRPr lang="fr-FR" dirty="0"/>
+          </a:p>
+        </p:txBody>
+      </p:sp>
+      <p:sp>
+        <p:nvSpPr>
+          <p:cNvPr id="4" name="Espace réservé du numéro de diapositive 3"/>
+          <p:cNvSpPr>
+            <a:spLocks noGrp="1"/>
+          </p:cNvSpPr>
+          <p:nvPr>
+            <p:ph type="sldNum" sz="quarter" idx="10"/>
+          </p:nvPr>
+        </p:nvSpPr>
+        <p:spPr/>
+        <p:txBody>
+          <a:bodyPr/>
+          <a:lstStyle/>
+          <a:p>
+            <a:fld id="{22B6FF15-C527-4C13-8D98-103B165244E2}" type="slidenum">
+              <a:rPr lang="fr-FR" smtClean="0"/>
+              <a:t>9</a:t>
+            </a:fld>
+            <a:endParaRPr lang="fr-FR"/>
+          </a:p>
+        </p:txBody>
+      </p:sp>
+    </p:spTree>
+    <p:extLst>
+      <p:ext uri="{BB962C8B-B14F-4D97-AF65-F5344CB8AC3E}">
+        <p14:creationId xmlns:p14="http://schemas.microsoft.com/office/powerpoint/2010/main" val="2835371127"/>
+      </p:ext>
+    </p:extLst>
+  </p:cSld>
+  <p:clrMapOvr>
+    <a:masterClrMapping/>
+  </p:clrMapOvr>
+</p:notes>
+</file>
+
+<file path=ppt/notesSlides/notesSlide7.xml><?xml version="1.0" encoding="utf-8"?>
+<p:notes xmlns:a="http://schemas.openxmlformats.org/drawingml/2006/main" xmlns:r="http://schemas.openxmlformats.org/officeDocument/2006/relationships" xmlns:p="http://schemas.openxmlformats.org/presentationml/2006/main">
+  <p:cSld>
+    <p:spTree>
+      <p:nvGrpSpPr>
+        <p:cNvPr id="1" name=""/>
+        <p:cNvGrpSpPr/>
+        <p:nvPr/>
+      </p:nvGrpSpPr>
+      <p:grpSpPr>
+        <a:xfrm>
+          <a:off x="0" y="0"/>
+          <a:ext cx="0" cy="0"/>
+          <a:chOff x="0" y="0"/>
+          <a:chExt cx="0" cy="0"/>
+        </a:xfrm>
+      </p:grpSpPr>
+      <p:sp>
+        <p:nvSpPr>
+          <p:cNvPr id="2" name="Espace réservé de l'image des diapositives 1"/>
+          <p:cNvSpPr>
+            <a:spLocks noGrp="1" noRot="1" noChangeAspect="1"/>
+          </p:cNvSpPr>
+          <p:nvPr>
+            <p:ph type="sldImg"/>
+          </p:nvPr>
+        </p:nvSpPr>
+        <p:spPr/>
+      </p:sp>
+      <p:sp>
+        <p:nvSpPr>
+          <p:cNvPr id="3" name="Espace réservé des commentaires 2"/>
+          <p:cNvSpPr>
+            <a:spLocks noGrp="1"/>
+          </p:cNvSpPr>
+          <p:nvPr>
+            <p:ph type="body" idx="1"/>
+          </p:nvPr>
+        </p:nvSpPr>
+        <p:spPr/>
+        <p:txBody>
+          <a:bodyPr/>
+          <a:lstStyle/>
+          <a:p>
+            <a:r>
+              <a:rPr lang="fr-FR" dirty="0" smtClean="0"/>
+              <a:t>SIMON</a:t>
+            </a:r>
+            <a:endParaRPr lang="fr-FR" dirty="0"/>
+          </a:p>
+        </p:txBody>
+      </p:sp>
+      <p:sp>
+        <p:nvSpPr>
+          <p:cNvPr id="4" name="Espace réservé du numéro de diapositive 3"/>
+          <p:cNvSpPr>
+            <a:spLocks noGrp="1"/>
+          </p:cNvSpPr>
+          <p:nvPr>
+            <p:ph type="sldNum" sz="quarter" idx="10"/>
+          </p:nvPr>
+        </p:nvSpPr>
+        <p:spPr/>
+        <p:txBody>
+          <a:bodyPr/>
+          <a:lstStyle/>
+          <a:p>
+            <a:fld id="{22B6FF15-C527-4C13-8D98-103B165244E2}" type="slidenum">
+              <a:rPr lang="fr-FR" smtClean="0"/>
+              <a:t>10</a:t>
+            </a:fld>
+            <a:endParaRPr lang="fr-FR"/>
+          </a:p>
+        </p:txBody>
+      </p:sp>
+    </p:spTree>
+    <p:extLst>
+      <p:ext uri="{BB962C8B-B14F-4D97-AF65-F5344CB8AC3E}">
+        <p14:creationId xmlns:p14="http://schemas.microsoft.com/office/powerpoint/2010/main" val="527560170"/>
+      </p:ext>
+    </p:extLst>
+  </p:cSld>
+  <p:clrMapOvr>
+    <a:masterClrMapping/>
+  </p:clrMapOvr>
+</p:notes>
+</file>
+
+<file path=ppt/notesSlides/notesSlide8.xml><?xml version="1.0" encoding="utf-8"?>
+<p:notes xmlns:a="http://schemas.openxmlformats.org/drawingml/2006/main" xmlns:r="http://schemas.openxmlformats.org/officeDocument/2006/relationships" xmlns:p="http://schemas.openxmlformats.org/presentationml/2006/main">
+  <p:cSld>
+    <p:spTree>
+      <p:nvGrpSpPr>
+        <p:cNvPr id="1" name=""/>
+        <p:cNvGrpSpPr/>
+        <p:nvPr/>
+      </p:nvGrpSpPr>
+      <p:grpSpPr>
+        <a:xfrm>
+          <a:off x="0" y="0"/>
+          <a:ext cx="0" cy="0"/>
+          <a:chOff x="0" y="0"/>
+          <a:chExt cx="0" cy="0"/>
+        </a:xfrm>
+      </p:grpSpPr>
+      <p:sp>
+        <p:nvSpPr>
+          <p:cNvPr id="2" name="Espace réservé de l'image des diapositives 1"/>
+          <p:cNvSpPr>
+            <a:spLocks noGrp="1" noRot="1" noChangeAspect="1"/>
+          </p:cNvSpPr>
+          <p:nvPr>
+            <p:ph type="sldImg"/>
+          </p:nvPr>
+        </p:nvSpPr>
+        <p:spPr/>
+      </p:sp>
+      <p:sp>
+        <p:nvSpPr>
+          <p:cNvPr id="3" name="Espace réservé des commentaires 2"/>
+          <p:cNvSpPr>
+            <a:spLocks noGrp="1"/>
+          </p:cNvSpPr>
+          <p:nvPr>
+            <p:ph type="body" idx="1"/>
+          </p:nvPr>
+        </p:nvSpPr>
+        <p:spPr/>
+        <p:txBody>
+          <a:bodyPr/>
+          <a:lstStyle/>
+          <a:p>
+            <a:r>
+              <a:rPr lang="fr-FR" dirty="0" smtClean="0"/>
+              <a:t>SIMON</a:t>
+            </a:r>
+            <a:endParaRPr lang="fr-FR" dirty="0"/>
+          </a:p>
+        </p:txBody>
+      </p:sp>
+      <p:sp>
+        <p:nvSpPr>
+          <p:cNvPr id="4" name="Espace réservé du numéro de diapositive 3"/>
+          <p:cNvSpPr>
+            <a:spLocks noGrp="1"/>
+          </p:cNvSpPr>
+          <p:nvPr>
+            <p:ph type="sldNum" sz="quarter" idx="10"/>
+          </p:nvPr>
+        </p:nvSpPr>
+        <p:spPr/>
+        <p:txBody>
+          <a:bodyPr/>
+          <a:lstStyle/>
+          <a:p>
+            <a:fld id="{22B6FF15-C527-4C13-8D98-103B165244E2}" type="slidenum">
+              <a:rPr lang="fr-FR" smtClean="0"/>
+              <a:t>11</a:t>
+            </a:fld>
+            <a:endParaRPr lang="fr-FR"/>
+          </a:p>
+        </p:txBody>
+      </p:sp>
+    </p:spTree>
+    <p:extLst>
+      <p:ext uri="{BB962C8B-B14F-4D97-AF65-F5344CB8AC3E}">
+        <p14:creationId xmlns:p14="http://schemas.microsoft.com/office/powerpoint/2010/main" val="262907306"/>
+      </p:ext>
+    </p:extLst>
+  </p:cSld>
+  <p:clrMapOvr>
+    <a:masterClrMapping/>
+  </p:clrMapOvr>
+</p:notes>
+</file>
+
+<file path=ppt/notesSlides/notesSlide9.xml><?xml version="1.0" encoding="utf-8"?>
+<p:notes xmlns:a="http://schemas.openxmlformats.org/drawingml/2006/main" xmlns:r="http://schemas.openxmlformats.org/officeDocument/2006/relationships" xmlns:p="http://schemas.openxmlformats.org/presentationml/2006/main">
+  <p:cSld>
+    <p:spTree>
+      <p:nvGrpSpPr>
+        <p:cNvPr id="1" name=""/>
+        <p:cNvGrpSpPr/>
+        <p:nvPr/>
+      </p:nvGrpSpPr>
+      <p:grpSpPr>
+        <a:xfrm>
+          <a:off x="0" y="0"/>
+          <a:ext cx="0" cy="0"/>
+          <a:chOff x="0" y="0"/>
+          <a:chExt cx="0" cy="0"/>
+        </a:xfrm>
+      </p:grpSpPr>
+      <p:sp>
+        <p:nvSpPr>
+          <p:cNvPr id="2" name="Espace réservé de l'image des diapositives 1"/>
+          <p:cNvSpPr>
+            <a:spLocks noGrp="1" noRot="1" noChangeAspect="1"/>
+          </p:cNvSpPr>
+          <p:nvPr>
+            <p:ph type="sldImg"/>
+          </p:nvPr>
+        </p:nvSpPr>
+        <p:spPr/>
+      </p:sp>
+      <p:sp>
+        <p:nvSpPr>
+          <p:cNvPr id="3" name="Espace réservé des commentaires 2"/>
+          <p:cNvSpPr>
+            <a:spLocks noGrp="1"/>
+          </p:cNvSpPr>
+          <p:nvPr>
+            <p:ph type="body" idx="1"/>
+          </p:nvPr>
+        </p:nvSpPr>
+        <p:spPr/>
+        <p:txBody>
+          <a:bodyPr/>
+          <a:lstStyle/>
+          <a:p>
+            <a:r>
+              <a:rPr lang="fr-FR" dirty="0" smtClean="0"/>
+              <a:t>SIMON</a:t>
+            </a:r>
+            <a:endParaRPr lang="fr-FR" dirty="0"/>
+          </a:p>
+        </p:txBody>
+      </p:sp>
+      <p:sp>
+        <p:nvSpPr>
+          <p:cNvPr id="4" name="Espace réservé du numéro de diapositive 3"/>
+          <p:cNvSpPr>
+            <a:spLocks noGrp="1"/>
+          </p:cNvSpPr>
+          <p:nvPr>
+            <p:ph type="sldNum" sz="quarter" idx="10"/>
+          </p:nvPr>
+        </p:nvSpPr>
+        <p:spPr/>
+        <p:txBody>
+          <a:bodyPr/>
+          <a:lstStyle/>
+          <a:p>
+            <a:fld id="{22B6FF15-C527-4C13-8D98-103B165244E2}" type="slidenum">
+              <a:rPr lang="fr-FR" smtClean="0"/>
+              <a:t>12</a:t>
+            </a:fld>
+            <a:endParaRPr lang="fr-FR"/>
+          </a:p>
+        </p:txBody>
+      </p:sp>
+    </p:spTree>
+    <p:extLst>
+      <p:ext uri="{BB962C8B-B14F-4D97-AF65-F5344CB8AC3E}">
+        <p14:creationId xmlns:p14="http://schemas.microsoft.com/office/powerpoint/2010/main" val="3957931156"/>
       </p:ext>
     </p:extLst>
   </p:cSld>
@@ -914,7 +2392,7 @@
           <a:p>
             <a:fld id="{29D42A5E-2C2D-4730-A0DC-36D23169D505}" type="datetime1">
               <a:rPr lang="fr-FR" smtClean="0"/>
-              <a:t>10/05/2015</a:t>
+              <a:t>13/05/2015</a:t>
             </a:fld>
             <a:endParaRPr lang="fr-FR"/>
           </a:p>
@@ -1122,7 +2600,7 @@
           <a:p>
             <a:fld id="{422D78B6-3CCF-4945-A023-4EB6CADC4FEB}" type="datetime1">
               <a:rPr lang="fr-FR" smtClean="0"/>
-              <a:t>10/05/2015</a:t>
+              <a:t>13/05/2015</a:t>
             </a:fld>
             <a:endParaRPr lang="fr-FR"/>
           </a:p>
@@ -1378,7 +2856,7 @@
           <a:p>
             <a:fld id="{D46E0F25-F9E1-4802-AA51-05146C9F27D7}" type="datetime1">
               <a:rPr lang="fr-FR" smtClean="0"/>
-              <a:t>10/05/2015</a:t>
+              <a:t>13/05/2015</a:t>
             </a:fld>
             <a:endParaRPr lang="fr-FR"/>
           </a:p>
@@ -1548,7 +3026,7 @@
           <a:p>
             <a:fld id="{C5241836-D928-4B7D-92D3-683929B21F4C}" type="datetime1">
               <a:rPr lang="fr-FR" smtClean="0"/>
-              <a:t>10/05/2015</a:t>
+              <a:t>13/05/2015</a:t>
             </a:fld>
             <a:endParaRPr lang="fr-FR"/>
           </a:p>
@@ -1883,7 +3361,7 @@
           <a:p>
             <a:fld id="{977F0987-7424-4519-AAB9-D04DA4C44999}" type="datetime1">
               <a:rPr lang="fr-FR" smtClean="0"/>
-              <a:t>10/05/2015</a:t>
+              <a:t>13/05/2015</a:t>
             </a:fld>
             <a:endParaRPr lang="fr-FR"/>
           </a:p>
@@ -2158,7 +3636,7 @@
           <a:p>
             <a:fld id="{C4427D8B-9E39-45F8-9A0F-9DE54A6E8D27}" type="datetime1">
               <a:rPr lang="fr-FR" smtClean="0"/>
-              <a:t>10/05/2015</a:t>
+              <a:t>13/05/2015</a:t>
             </a:fld>
             <a:endParaRPr lang="fr-FR"/>
           </a:p>
@@ -2537,7 +4015,7 @@
           <a:p>
             <a:fld id="{A677780B-52CF-45E4-883F-163B65148345}" type="datetime1">
               <a:rPr lang="fr-FR" smtClean="0"/>
-              <a:t>10/05/2015</a:t>
+              <a:t>13/05/2015</a:t>
             </a:fld>
             <a:endParaRPr lang="fr-FR"/>
           </a:p>
@@ -2655,7 +4133,7 @@
           <a:p>
             <a:fld id="{01B1E626-5BC5-4F25-AD61-B6D59C5F597D}" type="datetime1">
               <a:rPr lang="fr-FR" smtClean="0"/>
-              <a:t>10/05/2015</a:t>
+              <a:t>13/05/2015</a:t>
             </a:fld>
             <a:endParaRPr lang="fr-FR"/>
           </a:p>
@@ -2826,7 +4304,7 @@
           <a:p>
             <a:fld id="{31C17B7E-9B45-4B0E-97FC-CA0B2D6A6930}" type="datetime1">
               <a:rPr lang="fr-FR" smtClean="0"/>
-              <a:t>10/05/2015</a:t>
+              <a:t>13/05/2015</a:t>
             </a:fld>
             <a:endParaRPr lang="fr-FR"/>
           </a:p>
@@ -3180,7 +4658,7 @@
           <a:p>
             <a:fld id="{98C33F01-61E9-4780-81F7-B9159C462FFC}" type="datetime1">
               <a:rPr lang="fr-FR" smtClean="0"/>
-              <a:t>10/05/2015</a:t>
+              <a:t>13/05/2015</a:t>
             </a:fld>
             <a:endParaRPr lang="fr-FR"/>
           </a:p>
@@ -3562,7 +5040,7 @@
           <a:p>
             <a:fld id="{A869576C-D82C-4BD2-9434-A3563205E81E}" type="datetime1">
               <a:rPr lang="fr-FR" smtClean="0"/>
-              <a:t>10/05/2015</a:t>
+              <a:t>13/05/2015</a:t>
             </a:fld>
             <a:endParaRPr lang="fr-FR"/>
           </a:p>
@@ -3857,7 +5335,7 @@
           <a:p>
             <a:fld id="{35C4DAF9-7271-45F4-895A-EE8398A8208E}" type="datetime1">
               <a:rPr lang="fr-FR" smtClean="0"/>
-              <a:t>10/05/2015</a:t>
+              <a:t>13/05/2015</a:t>
             </a:fld>
             <a:endParaRPr lang="fr-FR"/>
           </a:p>
@@ -5291,8 +6769,8 @@
           </a:p>
         </p:txBody>
       </p:sp>
-      <mc:AlternateContent xmlns:mc="http://schemas.openxmlformats.org/markup-compatibility/2006">
-        <mc:Choice xmlns:a14="http://schemas.microsoft.com/office/drawing/2010/main" Requires="a14">
+      <mc:AlternateContent xmlns:mc="http://schemas.openxmlformats.org/markup-compatibility/2006" xmlns:a14="http://schemas.microsoft.com/office/drawing/2010/main">
+        <mc:Choice Requires="a14">
           <p:sp>
             <p:nvSpPr>
               <p:cNvPr id="7" name="Rectangle 6"/>
@@ -5314,6 +6792,7 @@
               </a:bodyPr>
               <a:lstStyle/>
               <a:p>
+                <a:pPr/>
                 <a14:m>
                   <m:oMathPara xmlns:m="http://schemas.openxmlformats.org/officeDocument/2006/math">
                     <m:oMathParaPr>
@@ -5574,7 +7053,7 @@
             </p:txBody>
           </p:sp>
         </mc:Choice>
-        <mc:Fallback>
+        <mc:Fallback xmlns="">
           <p:sp>
             <p:nvSpPr>
               <p:cNvPr id="7" name="Rectangle 6"/>
@@ -5592,7 +7071,7 @@
                 <a:avLst/>
               </a:prstGeom>
               <a:blipFill rotWithShape="0">
-                <a:blip r:embed="rId2"/>
+                <a:blip r:embed="rId3"/>
                 <a:stretch>
                   <a:fillRect/>
                 </a:stretch>
@@ -5684,7 +7163,7 @@
           </p:nvPr>
         </p:nvPicPr>
         <p:blipFill>
-          <a:blip r:embed="rId2">
+          <a:blip r:embed="rId3">
             <a:extLst>
               <a:ext uri="{28A0092B-C50C-407E-A947-70E740481C1C}">
                 <a14:useLocalDpi xmlns:a14="http://schemas.microsoft.com/office/drawing/2010/main" val="0"/>
@@ -5933,7 +7412,7 @@
           <p:nvPr/>
         </p:nvPicPr>
         <p:blipFill>
-          <a:blip r:embed="rId2" cstate="print">
+          <a:blip r:embed="rId3" cstate="print">
             <a:extLst>
               <a:ext uri="{28A0092B-C50C-407E-A947-70E740481C1C}">
                 <a14:useLocalDpi xmlns:a14="http://schemas.microsoft.com/office/drawing/2010/main" val="0"/>
@@ -6120,7 +7599,7 @@
           <p:nvPr/>
         </p:nvPicPr>
         <p:blipFill>
-          <a:blip r:embed="rId2">
+          <a:blip r:embed="rId3">
             <a:extLst>
               <a:ext uri="{28A0092B-C50C-407E-A947-70E740481C1C}">
                 <a14:useLocalDpi xmlns:a14="http://schemas.microsoft.com/office/drawing/2010/main" val="0"/>
@@ -6232,7 +7711,7 @@
           <p:nvPr/>
         </p:nvPicPr>
         <p:blipFill>
-          <a:blip r:embed="rId2"/>
+          <a:blip r:embed="rId3"/>
           <a:stretch>
             <a:fillRect/>
           </a:stretch>
@@ -6256,7 +7735,7 @@
           <p:nvPr/>
         </p:nvPicPr>
         <p:blipFill>
-          <a:blip r:embed="rId3"/>
+          <a:blip r:embed="rId4"/>
           <a:stretch>
             <a:fillRect/>
           </a:stretch>
@@ -6359,7 +7838,7 @@
           <p:nvPr/>
         </p:nvPicPr>
         <p:blipFill>
-          <a:blip r:embed="rId2"/>
+          <a:blip r:embed="rId3"/>
           <a:stretch>
             <a:fillRect/>
           </a:stretch>
@@ -6383,7 +7862,7 @@
           <p:nvPr/>
         </p:nvPicPr>
         <p:blipFill>
-          <a:blip r:embed="rId3"/>
+          <a:blip r:embed="rId4"/>
           <a:stretch>
             <a:fillRect/>
           </a:stretch>
@@ -6828,7 +8307,11 @@
             </a:r>
             <a:r>
               <a:rPr lang="fr-FR" dirty="0" smtClean="0"/>
-              <a:t>et PHP 5,5</a:t>
+              <a:t>et PHP </a:t>
+            </a:r>
+            <a:r>
+              <a:rPr lang="fr-FR" dirty="0" smtClean="0"/>
+              <a:t>5.5</a:t>
             </a:r>
             <a:endParaRPr lang="fr-FR" dirty="0"/>
           </a:p>
@@ -8764,7 +10247,6 @@
               <a:rPr lang="fr-FR" dirty="0"/>
               <a:t>au portail</a:t>
             </a:r>
-            <a:endParaRPr lang="fr-FR" dirty="0"/>
           </a:p>
         </p:txBody>
       </p:sp>
@@ -8975,7 +10457,7 @@
           </p:nvPr>
         </p:nvPicPr>
         <p:blipFill>
-          <a:blip r:embed="rId2">
+          <a:blip r:embed="rId3">
             <a:extLst>
               <a:ext uri="{28A0092B-C50C-407E-A947-70E740481C1C}">
                 <a14:useLocalDpi xmlns:a14="http://schemas.microsoft.com/office/drawing/2010/main" val="0"/>
@@ -9079,7 +10561,7 @@
           <p:nvPr/>
         </p:nvPicPr>
         <p:blipFill>
-          <a:blip r:embed="rId2">
+          <a:blip r:embed="rId3">
             <a:extLst>
               <a:ext uri="{28A0092B-C50C-407E-A947-70E740481C1C}">
                 <a14:useLocalDpi xmlns:a14="http://schemas.microsoft.com/office/drawing/2010/main" val="0"/>

--- a/Documentation/soutenance.pptx
+++ b/Documentation/soutenance.pptx
@@ -331,7 +331,7 @@
           <a:p>
             <a:fld id="{0EB65B14-8EEE-40F8-AECD-76AA10F650D0}" type="datetimeFigureOut">
               <a:rPr lang="fr-FR" smtClean="0"/>
-              <a:t>13/05/2015</a:t>
+              <a:t>18/05/2015</a:t>
             </a:fld>
             <a:endParaRPr lang="fr-FR"/>
           </a:p>
@@ -2392,7 +2392,7 @@
           <a:p>
             <a:fld id="{29D42A5E-2C2D-4730-A0DC-36D23169D505}" type="datetime1">
               <a:rPr lang="fr-FR" smtClean="0"/>
-              <a:t>13/05/2015</a:t>
+              <a:t>18/05/2015</a:t>
             </a:fld>
             <a:endParaRPr lang="fr-FR"/>
           </a:p>
@@ -2600,7 +2600,7 @@
           <a:p>
             <a:fld id="{422D78B6-3CCF-4945-A023-4EB6CADC4FEB}" type="datetime1">
               <a:rPr lang="fr-FR" smtClean="0"/>
-              <a:t>13/05/2015</a:t>
+              <a:t>18/05/2015</a:t>
             </a:fld>
             <a:endParaRPr lang="fr-FR"/>
           </a:p>
@@ -2856,7 +2856,7 @@
           <a:p>
             <a:fld id="{D46E0F25-F9E1-4802-AA51-05146C9F27D7}" type="datetime1">
               <a:rPr lang="fr-FR" smtClean="0"/>
-              <a:t>13/05/2015</a:t>
+              <a:t>18/05/2015</a:t>
             </a:fld>
             <a:endParaRPr lang="fr-FR"/>
           </a:p>
@@ -3026,7 +3026,7 @@
           <a:p>
             <a:fld id="{C5241836-D928-4B7D-92D3-683929B21F4C}" type="datetime1">
               <a:rPr lang="fr-FR" smtClean="0"/>
-              <a:t>13/05/2015</a:t>
+              <a:t>18/05/2015</a:t>
             </a:fld>
             <a:endParaRPr lang="fr-FR"/>
           </a:p>
@@ -3361,7 +3361,7 @@
           <a:p>
             <a:fld id="{977F0987-7424-4519-AAB9-D04DA4C44999}" type="datetime1">
               <a:rPr lang="fr-FR" smtClean="0"/>
-              <a:t>13/05/2015</a:t>
+              <a:t>18/05/2015</a:t>
             </a:fld>
             <a:endParaRPr lang="fr-FR"/>
           </a:p>
@@ -3636,7 +3636,7 @@
           <a:p>
             <a:fld id="{C4427D8B-9E39-45F8-9A0F-9DE54A6E8D27}" type="datetime1">
               <a:rPr lang="fr-FR" smtClean="0"/>
-              <a:t>13/05/2015</a:t>
+              <a:t>18/05/2015</a:t>
             </a:fld>
             <a:endParaRPr lang="fr-FR"/>
           </a:p>
@@ -4015,7 +4015,7 @@
           <a:p>
             <a:fld id="{A677780B-52CF-45E4-883F-163B65148345}" type="datetime1">
               <a:rPr lang="fr-FR" smtClean="0"/>
-              <a:t>13/05/2015</a:t>
+              <a:t>18/05/2015</a:t>
             </a:fld>
             <a:endParaRPr lang="fr-FR"/>
           </a:p>
@@ -4133,7 +4133,7 @@
           <a:p>
             <a:fld id="{01B1E626-5BC5-4F25-AD61-B6D59C5F597D}" type="datetime1">
               <a:rPr lang="fr-FR" smtClean="0"/>
-              <a:t>13/05/2015</a:t>
+              <a:t>18/05/2015</a:t>
             </a:fld>
             <a:endParaRPr lang="fr-FR"/>
           </a:p>
@@ -4304,7 +4304,7 @@
           <a:p>
             <a:fld id="{31C17B7E-9B45-4B0E-97FC-CA0B2D6A6930}" type="datetime1">
               <a:rPr lang="fr-FR" smtClean="0"/>
-              <a:t>13/05/2015</a:t>
+              <a:t>18/05/2015</a:t>
             </a:fld>
             <a:endParaRPr lang="fr-FR"/>
           </a:p>
@@ -4658,7 +4658,7 @@
           <a:p>
             <a:fld id="{98C33F01-61E9-4780-81F7-B9159C462FFC}" type="datetime1">
               <a:rPr lang="fr-FR" smtClean="0"/>
-              <a:t>13/05/2015</a:t>
+              <a:t>18/05/2015</a:t>
             </a:fld>
             <a:endParaRPr lang="fr-FR"/>
           </a:p>
@@ -5040,7 +5040,7 @@
           <a:p>
             <a:fld id="{A869576C-D82C-4BD2-9434-A3563205E81E}" type="datetime1">
               <a:rPr lang="fr-FR" smtClean="0"/>
-              <a:t>13/05/2015</a:t>
+              <a:t>18/05/2015</a:t>
             </a:fld>
             <a:endParaRPr lang="fr-FR"/>
           </a:p>
@@ -5335,7 +5335,7 @@
           <a:p>
             <a:fld id="{35C4DAF9-7271-45F4-895A-EE8398A8208E}" type="datetime1">
               <a:rPr lang="fr-FR" smtClean="0"/>
-              <a:t>13/05/2015</a:t>
+              <a:t>18/05/2015</a:t>
             </a:fld>
             <a:endParaRPr lang="fr-FR"/>
           </a:p>
@@ -6471,8 +6471,13 @@
             </a:pPr>
             <a:r>
               <a:rPr lang="fr-FR" b="1" dirty="0" smtClean="0"/>
-              <a:t>Création de carte</a:t>
-            </a:r>
+              <a:t>Création de </a:t>
+            </a:r>
+            <a:r>
+              <a:rPr lang="fr-FR" b="1" dirty="0" smtClean="0"/>
+              <a:t>cartes</a:t>
+            </a:r>
+            <a:endParaRPr lang="fr-FR" b="1" dirty="0" smtClean="0"/>
           </a:p>
           <a:p>
             <a:pPr marL="0" indent="0">
@@ -7315,7 +7320,19 @@
             </a:pPr>
             <a:r>
               <a:rPr lang="fr-FR" sz="2000" dirty="0" smtClean="0"/>
-              <a:t>Création d’une interface pour faire des tests unitaires sur la base de données</a:t>
+              <a:t>Création d’une interface pour faire des tests unitaires </a:t>
+            </a:r>
+            <a:r>
+              <a:rPr lang="fr-FR" sz="2000" smtClean="0"/>
+              <a:t>sur </a:t>
+            </a:r>
+            <a:r>
+              <a:rPr lang="fr-FR" sz="2000" smtClean="0"/>
+              <a:t>l’application de la </a:t>
+            </a:r>
+            <a:r>
+              <a:rPr lang="fr-FR" sz="2000" dirty="0" smtClean="0"/>
+              <a:t>base de données</a:t>
             </a:r>
           </a:p>
           <a:p>
@@ -8307,11 +8324,7 @@
             </a:r>
             <a:r>
               <a:rPr lang="fr-FR" dirty="0" smtClean="0"/>
-              <a:t>et PHP </a:t>
-            </a:r>
-            <a:r>
-              <a:rPr lang="fr-FR" dirty="0" smtClean="0"/>
-              <a:t>5.5</a:t>
+              <a:t>et PHP 5.5</a:t>
             </a:r>
             <a:endParaRPr lang="fr-FR" dirty="0"/>
           </a:p>
